--- a/C班ユーザーストーリー訂正版.pptx
+++ b/C班ユーザーストーリー訂正版.pptx
@@ -200,7 +200,7 @@
           <a:p>
             <a:fld id="{CC53E9EC-0032-4D33-95E7-657C6A186E07}" type="datetimeFigureOut">
               <a:rPr kumimoji="1" lang="ja-JP" altLang="en-US" smtClean="0"/>
-              <a:t>2017/5/18</a:t>
+              <a:t>2017/5/23</a:t>
             </a:fld>
             <a:endParaRPr kumimoji="1" lang="ja-JP" altLang="en-US"/>
           </a:p>
@@ -631,7 +631,7 @@
           <a:p>
             <a:fld id="{FAEFA1D1-C786-4F53-8B71-B26A07B17030}" type="datetime1">
               <a:rPr kumimoji="1" lang="ja-JP" altLang="en-US" smtClean="0"/>
-              <a:t>2017/5/18</a:t>
+              <a:t>2017/5/23</a:t>
             </a:fld>
             <a:endParaRPr kumimoji="1" lang="ja-JP" altLang="en-US"/>
           </a:p>
@@ -833,7 +833,7 @@
           <a:p>
             <a:fld id="{E06DEE28-0A83-4FDA-8CE9-EF2DDDEAE52B}" type="datetime1">
               <a:rPr kumimoji="1" lang="ja-JP" altLang="en-US" smtClean="0"/>
-              <a:t>2017/5/18</a:t>
+              <a:t>2017/5/23</a:t>
             </a:fld>
             <a:endParaRPr kumimoji="1" lang="ja-JP" altLang="en-US"/>
           </a:p>
@@ -1045,7 +1045,7 @@
           <a:p>
             <a:fld id="{AF0FF139-B9BE-4D46-8186-19A45684199B}" type="datetime1">
               <a:rPr kumimoji="1" lang="ja-JP" altLang="en-US" smtClean="0"/>
-              <a:t>2017/5/18</a:t>
+              <a:t>2017/5/23</a:t>
             </a:fld>
             <a:endParaRPr kumimoji="1" lang="ja-JP" altLang="en-US"/>
           </a:p>
@@ -1247,7 +1247,7 @@
           <a:p>
             <a:fld id="{B58F2001-A142-4E43-99E2-DB588A0FB8A8}" type="datetime1">
               <a:rPr kumimoji="1" lang="ja-JP" altLang="en-US" smtClean="0"/>
-              <a:t>2017/5/18</a:t>
+              <a:t>2017/5/23</a:t>
             </a:fld>
             <a:endParaRPr kumimoji="1" lang="ja-JP" altLang="en-US"/>
           </a:p>
@@ -1493,7 +1493,7 @@
           <a:p>
             <a:fld id="{C87EDE4F-3B04-4DC7-AFAF-884E78C70907}" type="datetime1">
               <a:rPr kumimoji="1" lang="ja-JP" altLang="en-US" smtClean="0"/>
-              <a:t>2017/5/18</a:t>
+              <a:t>2017/5/23</a:t>
             </a:fld>
             <a:endParaRPr kumimoji="1" lang="ja-JP" altLang="en-US"/>
           </a:p>
@@ -1789,7 +1789,7 @@
           <a:p>
             <a:fld id="{A3A846DB-37AC-42B7-9738-58000034F1F8}" type="datetime1">
               <a:rPr kumimoji="1" lang="ja-JP" altLang="en-US" smtClean="0"/>
-              <a:t>2017/5/18</a:t>
+              <a:t>2017/5/23</a:t>
             </a:fld>
             <a:endParaRPr kumimoji="1" lang="ja-JP" altLang="en-US"/>
           </a:p>
@@ -2220,7 +2220,7 @@
           <a:p>
             <a:fld id="{9615C2F6-8290-4186-B844-83DAD36275B2}" type="datetime1">
               <a:rPr kumimoji="1" lang="ja-JP" altLang="en-US" smtClean="0"/>
-              <a:t>2017/5/18</a:t>
+              <a:t>2017/5/23</a:t>
             </a:fld>
             <a:endParaRPr kumimoji="1" lang="ja-JP" altLang="en-US"/>
           </a:p>
@@ -2338,7 +2338,7 @@
           <a:p>
             <a:fld id="{0B792B08-DB0D-4FB5-ADFA-6274D7086BE1}" type="datetime1">
               <a:rPr kumimoji="1" lang="ja-JP" altLang="en-US" smtClean="0"/>
-              <a:t>2017/5/18</a:t>
+              <a:t>2017/5/23</a:t>
             </a:fld>
             <a:endParaRPr kumimoji="1" lang="ja-JP" altLang="en-US"/>
           </a:p>
@@ -2433,7 +2433,7 @@
           <a:p>
             <a:fld id="{856D9B83-E137-4518-BF2E-5D0B52230C0E}" type="datetime1">
               <a:rPr kumimoji="1" lang="ja-JP" altLang="en-US" smtClean="0"/>
-              <a:t>2017/5/18</a:t>
+              <a:t>2017/5/23</a:t>
             </a:fld>
             <a:endParaRPr kumimoji="1" lang="ja-JP" altLang="en-US"/>
           </a:p>
@@ -2742,7 +2742,7 @@
           <a:p>
             <a:fld id="{F43C0B7E-8110-41C5-A555-9490F26AD0D4}" type="datetime1">
               <a:rPr kumimoji="1" lang="ja-JP" altLang="en-US" smtClean="0"/>
-              <a:t>2017/5/18</a:t>
+              <a:t>2017/5/23</a:t>
             </a:fld>
             <a:endParaRPr kumimoji="1" lang="ja-JP" altLang="en-US"/>
           </a:p>
@@ -2995,7 +2995,7 @@
           <a:p>
             <a:fld id="{676F5F7F-F086-42B2-A0FC-F58A36E7BB66}" type="datetime1">
               <a:rPr kumimoji="1" lang="ja-JP" altLang="en-US" smtClean="0"/>
-              <a:t>2017/5/18</a:t>
+              <a:t>2017/5/23</a:t>
             </a:fld>
             <a:endParaRPr kumimoji="1" lang="ja-JP" altLang="en-US"/>
           </a:p>
@@ -3240,7 +3240,7 @@
           <a:p>
             <a:fld id="{5A8ECA6B-AE0E-43F3-B5EA-6C50E1601D72}" type="datetime1">
               <a:rPr kumimoji="1" lang="ja-JP" altLang="en-US" smtClean="0"/>
-              <a:t>2017/5/18</a:t>
+              <a:t>2017/5/23</a:t>
             </a:fld>
             <a:endParaRPr kumimoji="1" lang="ja-JP" altLang="en-US"/>
           </a:p>
@@ -3911,38 +3911,66 @@
           </a:p>
         </p:txBody>
       </p:sp>
+      <p:sp>
+        <p:nvSpPr>
+          <p:cNvPr id="3" name="スライド番号プレースホルダー 2"/>
+          <p:cNvSpPr>
+            <a:spLocks noGrp="1"/>
+          </p:cNvSpPr>
+          <p:nvPr>
+            <p:ph type="sldNum" sz="quarter" idx="12"/>
+          </p:nvPr>
+        </p:nvSpPr>
+        <p:spPr>
+          <a:xfrm>
+            <a:off x="8610600" y="6334298"/>
+            <a:ext cx="2536767" cy="387177"/>
+          </a:xfrm>
+        </p:spPr>
+        <p:txBody>
+          <a:bodyPr/>
+          <a:lstStyle/>
+          <a:p>
+            <a:fld id="{5921764D-DE0A-4600-A331-CFED327DBC10}" type="slidenum">
+              <a:rPr kumimoji="1" lang="ja-JP" altLang="en-US" sz="1400" smtClean="0"/>
+              <a:t>4</a:t>
+            </a:fld>
+            <a:endParaRPr kumimoji="1" lang="ja-JP" altLang="en-US" sz="1400" dirty="0"/>
+          </a:p>
+        </p:txBody>
+      </p:sp>
       <p:graphicFrame>
         <p:nvGraphicFramePr>
-          <p:cNvPr id="4" name="オブジェクト 3"/>
+          <p:cNvPr id="7" name="オブジェクト 6"/>
           <p:cNvGraphicFramePr>
             <a:graphicFrameLocks noChangeAspect="1"/>
           </p:cNvGraphicFramePr>
           <p:nvPr>
             <p:extLst>
               <p:ext uri="{D42A27DB-BD31-4B8C-83A1-F6EECF244321}">
-                <p14:modId xmlns:p14="http://schemas.microsoft.com/office/powerpoint/2010/main" val="2179505557"/>
+                <p14:modId xmlns:p14="http://schemas.microsoft.com/office/powerpoint/2010/main" val="1835409667"/>
               </p:ext>
             </p:extLst>
           </p:nvPr>
         </p:nvGraphicFramePr>
         <p:xfrm>
-          <a:off x="1870362" y="598489"/>
-          <a:ext cx="8223481" cy="6053578"/>
+          <a:off x="1106112" y="698442"/>
+          <a:ext cx="9615854" cy="5635856"/>
         </p:xfrm>
         <a:graphic>
           <a:graphicData uri="http://schemas.openxmlformats.org/presentationml/2006/ole">
             <mc:AlternateContent xmlns:mc="http://schemas.openxmlformats.org/markup-compatibility/2006">
               <mc:Choice xmlns:v="urn:schemas-microsoft-com:vml" Requires="v">
-                <p:oleObj spid="_x0000_s1038" name="ワークシート" r:id="rId3" imgW="11487307" imgH="6639072" progId="Excel.Sheet.12">
+                <p:oleObj spid="_x0000_s1041" name="ワークシート" r:id="rId3" imgW="11487307" imgH="5286295" progId="Excel.Sheet.12">
                   <p:embed/>
                 </p:oleObj>
               </mc:Choice>
               <mc:Fallback>
-                <p:oleObj name="ワークシート" r:id="rId3" imgW="11487307" imgH="6639072" progId="Excel.Sheet.12">
+                <p:oleObj name="ワークシート" r:id="rId3" imgW="11487307" imgH="5286295" progId="Excel.Sheet.12">
                   <p:embed/>
                   <p:pic>
                     <p:nvPicPr>
-                      <p:cNvPr id="0" name=""/>
+                      <p:cNvPr id="4" name="オブジェクト 3"/>
                       <p:cNvPicPr/>
                       <p:nvPr/>
                     </p:nvPicPr>
@@ -3954,8 +3982,8 @@
                     </p:blipFill>
                     <p:spPr>
                       <a:xfrm>
-                        <a:off x="1870362" y="598489"/>
-                        <a:ext cx="8223481" cy="6053578"/>
+                        <a:off x="1106112" y="698442"/>
+                        <a:ext cx="9615854" cy="5635856"/>
                       </a:xfrm>
                       <a:prstGeom prst="rect">
                         <a:avLst/>
@@ -3968,34 +3996,6 @@
           </a:graphicData>
         </a:graphic>
       </p:graphicFrame>
-      <p:sp>
-        <p:nvSpPr>
-          <p:cNvPr id="3" name="スライド番号プレースホルダー 2"/>
-          <p:cNvSpPr>
-            <a:spLocks noGrp="1"/>
-          </p:cNvSpPr>
-          <p:nvPr>
-            <p:ph type="sldNum" sz="quarter" idx="12"/>
-          </p:nvPr>
-        </p:nvSpPr>
-        <p:spPr>
-          <a:xfrm>
-            <a:off x="8610600" y="6334298"/>
-            <a:ext cx="2536767" cy="387177"/>
-          </a:xfrm>
-        </p:spPr>
-        <p:txBody>
-          <a:bodyPr/>
-          <a:lstStyle/>
-          <a:p>
-            <a:fld id="{5921764D-DE0A-4600-A331-CFED327DBC10}" type="slidenum">
-              <a:rPr kumimoji="1" lang="ja-JP" altLang="en-US" sz="1400" smtClean="0"/>
-              <a:t>4</a:t>
-            </a:fld>
-            <a:endParaRPr kumimoji="1" lang="ja-JP" altLang="en-US" sz="1400" dirty="0"/>
-          </a:p>
-        </p:txBody>
-      </p:sp>
     </p:spTree>
     <p:extLst>
       <p:ext uri="{BB962C8B-B14F-4D97-AF65-F5344CB8AC3E}">

--- a/C班ユーザーストーリー訂正版.pptx
+++ b/C班ユーザーストーリー訂正版.pptx
@@ -200,7 +200,7 @@
           <a:p>
             <a:fld id="{CC53E9EC-0032-4D33-95E7-657C6A186E07}" type="datetimeFigureOut">
               <a:rPr kumimoji="1" lang="ja-JP" altLang="en-US" smtClean="0"/>
-              <a:t>2017/5/23</a:t>
+              <a:t>2017/5/26</a:t>
             </a:fld>
             <a:endParaRPr kumimoji="1" lang="ja-JP" altLang="en-US"/>
           </a:p>
@@ -631,7 +631,7 @@
           <a:p>
             <a:fld id="{FAEFA1D1-C786-4F53-8B71-B26A07B17030}" type="datetime1">
               <a:rPr kumimoji="1" lang="ja-JP" altLang="en-US" smtClean="0"/>
-              <a:t>2017/5/23</a:t>
+              <a:t>2017/5/26</a:t>
             </a:fld>
             <a:endParaRPr kumimoji="1" lang="ja-JP" altLang="en-US"/>
           </a:p>
@@ -833,7 +833,7 @@
           <a:p>
             <a:fld id="{E06DEE28-0A83-4FDA-8CE9-EF2DDDEAE52B}" type="datetime1">
               <a:rPr kumimoji="1" lang="ja-JP" altLang="en-US" smtClean="0"/>
-              <a:t>2017/5/23</a:t>
+              <a:t>2017/5/26</a:t>
             </a:fld>
             <a:endParaRPr kumimoji="1" lang="ja-JP" altLang="en-US"/>
           </a:p>
@@ -1045,7 +1045,7 @@
           <a:p>
             <a:fld id="{AF0FF139-B9BE-4D46-8186-19A45684199B}" type="datetime1">
               <a:rPr kumimoji="1" lang="ja-JP" altLang="en-US" smtClean="0"/>
-              <a:t>2017/5/23</a:t>
+              <a:t>2017/5/26</a:t>
             </a:fld>
             <a:endParaRPr kumimoji="1" lang="ja-JP" altLang="en-US"/>
           </a:p>
@@ -1247,7 +1247,7 @@
           <a:p>
             <a:fld id="{B58F2001-A142-4E43-99E2-DB588A0FB8A8}" type="datetime1">
               <a:rPr kumimoji="1" lang="ja-JP" altLang="en-US" smtClean="0"/>
-              <a:t>2017/5/23</a:t>
+              <a:t>2017/5/26</a:t>
             </a:fld>
             <a:endParaRPr kumimoji="1" lang="ja-JP" altLang="en-US"/>
           </a:p>
@@ -1493,7 +1493,7 @@
           <a:p>
             <a:fld id="{C87EDE4F-3B04-4DC7-AFAF-884E78C70907}" type="datetime1">
               <a:rPr kumimoji="1" lang="ja-JP" altLang="en-US" smtClean="0"/>
-              <a:t>2017/5/23</a:t>
+              <a:t>2017/5/26</a:t>
             </a:fld>
             <a:endParaRPr kumimoji="1" lang="ja-JP" altLang="en-US"/>
           </a:p>
@@ -1789,7 +1789,7 @@
           <a:p>
             <a:fld id="{A3A846DB-37AC-42B7-9738-58000034F1F8}" type="datetime1">
               <a:rPr kumimoji="1" lang="ja-JP" altLang="en-US" smtClean="0"/>
-              <a:t>2017/5/23</a:t>
+              <a:t>2017/5/26</a:t>
             </a:fld>
             <a:endParaRPr kumimoji="1" lang="ja-JP" altLang="en-US"/>
           </a:p>
@@ -2220,7 +2220,7 @@
           <a:p>
             <a:fld id="{9615C2F6-8290-4186-B844-83DAD36275B2}" type="datetime1">
               <a:rPr kumimoji="1" lang="ja-JP" altLang="en-US" smtClean="0"/>
-              <a:t>2017/5/23</a:t>
+              <a:t>2017/5/26</a:t>
             </a:fld>
             <a:endParaRPr kumimoji="1" lang="ja-JP" altLang="en-US"/>
           </a:p>
@@ -2338,7 +2338,7 @@
           <a:p>
             <a:fld id="{0B792B08-DB0D-4FB5-ADFA-6274D7086BE1}" type="datetime1">
               <a:rPr kumimoji="1" lang="ja-JP" altLang="en-US" smtClean="0"/>
-              <a:t>2017/5/23</a:t>
+              <a:t>2017/5/26</a:t>
             </a:fld>
             <a:endParaRPr kumimoji="1" lang="ja-JP" altLang="en-US"/>
           </a:p>
@@ -2433,7 +2433,7 @@
           <a:p>
             <a:fld id="{856D9B83-E137-4518-BF2E-5D0B52230C0E}" type="datetime1">
               <a:rPr kumimoji="1" lang="ja-JP" altLang="en-US" smtClean="0"/>
-              <a:t>2017/5/23</a:t>
+              <a:t>2017/5/26</a:t>
             </a:fld>
             <a:endParaRPr kumimoji="1" lang="ja-JP" altLang="en-US"/>
           </a:p>
@@ -2742,7 +2742,7 @@
           <a:p>
             <a:fld id="{F43C0B7E-8110-41C5-A555-9490F26AD0D4}" type="datetime1">
               <a:rPr kumimoji="1" lang="ja-JP" altLang="en-US" smtClean="0"/>
-              <a:t>2017/5/23</a:t>
+              <a:t>2017/5/26</a:t>
             </a:fld>
             <a:endParaRPr kumimoji="1" lang="ja-JP" altLang="en-US"/>
           </a:p>
@@ -2995,7 +2995,7 @@
           <a:p>
             <a:fld id="{676F5F7F-F086-42B2-A0FC-F58A36E7BB66}" type="datetime1">
               <a:rPr kumimoji="1" lang="ja-JP" altLang="en-US" smtClean="0"/>
-              <a:t>2017/5/23</a:t>
+              <a:t>2017/5/26</a:t>
             </a:fld>
             <a:endParaRPr kumimoji="1" lang="ja-JP" altLang="en-US"/>
           </a:p>
@@ -3240,7 +3240,7 @@
           <a:p>
             <a:fld id="{5A8ECA6B-AE0E-43F3-B5EA-6C50E1601D72}" type="datetime1">
               <a:rPr kumimoji="1" lang="ja-JP" altLang="en-US" smtClean="0"/>
-              <a:t>2017/5/23</a:t>
+              <a:t>2017/5/26</a:t>
             </a:fld>
             <a:endParaRPr kumimoji="1" lang="ja-JP" altLang="en-US"/>
           </a:p>
@@ -3948,7 +3948,7 @@
           <p:nvPr>
             <p:extLst>
               <p:ext uri="{D42A27DB-BD31-4B8C-83A1-F6EECF244321}">
-                <p14:modId xmlns:p14="http://schemas.microsoft.com/office/powerpoint/2010/main" val="1835409667"/>
+                <p14:modId xmlns:p14="http://schemas.microsoft.com/office/powerpoint/2010/main" val="604933609"/>
               </p:ext>
             </p:extLst>
           </p:nvPr>
@@ -3961,7 +3961,7 @@
           <a:graphicData uri="http://schemas.openxmlformats.org/presentationml/2006/ole">
             <mc:AlternateContent xmlns:mc="http://schemas.openxmlformats.org/markup-compatibility/2006">
               <mc:Choice xmlns:v="urn:schemas-microsoft-com:vml" Requires="v">
-                <p:oleObj spid="_x0000_s1041" name="ワークシート" r:id="rId3" imgW="11487307" imgH="5286295" progId="Excel.Sheet.12">
+                <p:oleObj spid="_x0000_s1043" name="ワークシート" r:id="rId3" imgW="11487307" imgH="5286295" progId="Excel.Sheet.12">
                   <p:embed/>
                 </p:oleObj>
               </mc:Choice>

--- a/C班ユーザーストーリー訂正版.pptx
+++ b/C班ユーザーストーリー訂正版.pptx
@@ -200,7 +200,7 @@
           <a:p>
             <a:fld id="{CC53E9EC-0032-4D33-95E7-657C6A186E07}" type="datetimeFigureOut">
               <a:rPr kumimoji="1" lang="ja-JP" altLang="en-US" smtClean="0"/>
-              <a:t>2017/5/26</a:t>
+              <a:t>2017/5/30</a:t>
             </a:fld>
             <a:endParaRPr kumimoji="1" lang="ja-JP" altLang="en-US"/>
           </a:p>
@@ -631,7 +631,7 @@
           <a:p>
             <a:fld id="{FAEFA1D1-C786-4F53-8B71-B26A07B17030}" type="datetime1">
               <a:rPr kumimoji="1" lang="ja-JP" altLang="en-US" smtClean="0"/>
-              <a:t>2017/5/26</a:t>
+              <a:t>2017/5/30</a:t>
             </a:fld>
             <a:endParaRPr kumimoji="1" lang="ja-JP" altLang="en-US"/>
           </a:p>
@@ -833,7 +833,7 @@
           <a:p>
             <a:fld id="{E06DEE28-0A83-4FDA-8CE9-EF2DDDEAE52B}" type="datetime1">
               <a:rPr kumimoji="1" lang="ja-JP" altLang="en-US" smtClean="0"/>
-              <a:t>2017/5/26</a:t>
+              <a:t>2017/5/30</a:t>
             </a:fld>
             <a:endParaRPr kumimoji="1" lang="ja-JP" altLang="en-US"/>
           </a:p>
@@ -1045,7 +1045,7 @@
           <a:p>
             <a:fld id="{AF0FF139-B9BE-4D46-8186-19A45684199B}" type="datetime1">
               <a:rPr kumimoji="1" lang="ja-JP" altLang="en-US" smtClean="0"/>
-              <a:t>2017/5/26</a:t>
+              <a:t>2017/5/30</a:t>
             </a:fld>
             <a:endParaRPr kumimoji="1" lang="ja-JP" altLang="en-US"/>
           </a:p>
@@ -1247,7 +1247,7 @@
           <a:p>
             <a:fld id="{B58F2001-A142-4E43-99E2-DB588A0FB8A8}" type="datetime1">
               <a:rPr kumimoji="1" lang="ja-JP" altLang="en-US" smtClean="0"/>
-              <a:t>2017/5/26</a:t>
+              <a:t>2017/5/30</a:t>
             </a:fld>
             <a:endParaRPr kumimoji="1" lang="ja-JP" altLang="en-US"/>
           </a:p>
@@ -1493,7 +1493,7 @@
           <a:p>
             <a:fld id="{C87EDE4F-3B04-4DC7-AFAF-884E78C70907}" type="datetime1">
               <a:rPr kumimoji="1" lang="ja-JP" altLang="en-US" smtClean="0"/>
-              <a:t>2017/5/26</a:t>
+              <a:t>2017/5/30</a:t>
             </a:fld>
             <a:endParaRPr kumimoji="1" lang="ja-JP" altLang="en-US"/>
           </a:p>
@@ -1789,7 +1789,7 @@
           <a:p>
             <a:fld id="{A3A846DB-37AC-42B7-9738-58000034F1F8}" type="datetime1">
               <a:rPr kumimoji="1" lang="ja-JP" altLang="en-US" smtClean="0"/>
-              <a:t>2017/5/26</a:t>
+              <a:t>2017/5/30</a:t>
             </a:fld>
             <a:endParaRPr kumimoji="1" lang="ja-JP" altLang="en-US"/>
           </a:p>
@@ -2220,7 +2220,7 @@
           <a:p>
             <a:fld id="{9615C2F6-8290-4186-B844-83DAD36275B2}" type="datetime1">
               <a:rPr kumimoji="1" lang="ja-JP" altLang="en-US" smtClean="0"/>
-              <a:t>2017/5/26</a:t>
+              <a:t>2017/5/30</a:t>
             </a:fld>
             <a:endParaRPr kumimoji="1" lang="ja-JP" altLang="en-US"/>
           </a:p>
@@ -2338,7 +2338,7 @@
           <a:p>
             <a:fld id="{0B792B08-DB0D-4FB5-ADFA-6274D7086BE1}" type="datetime1">
               <a:rPr kumimoji="1" lang="ja-JP" altLang="en-US" smtClean="0"/>
-              <a:t>2017/5/26</a:t>
+              <a:t>2017/5/30</a:t>
             </a:fld>
             <a:endParaRPr kumimoji="1" lang="ja-JP" altLang="en-US"/>
           </a:p>
@@ -2433,7 +2433,7 @@
           <a:p>
             <a:fld id="{856D9B83-E137-4518-BF2E-5D0B52230C0E}" type="datetime1">
               <a:rPr kumimoji="1" lang="ja-JP" altLang="en-US" smtClean="0"/>
-              <a:t>2017/5/26</a:t>
+              <a:t>2017/5/30</a:t>
             </a:fld>
             <a:endParaRPr kumimoji="1" lang="ja-JP" altLang="en-US"/>
           </a:p>
@@ -2742,7 +2742,7 @@
           <a:p>
             <a:fld id="{F43C0B7E-8110-41C5-A555-9490F26AD0D4}" type="datetime1">
               <a:rPr kumimoji="1" lang="ja-JP" altLang="en-US" smtClean="0"/>
-              <a:t>2017/5/26</a:t>
+              <a:t>2017/5/30</a:t>
             </a:fld>
             <a:endParaRPr kumimoji="1" lang="ja-JP" altLang="en-US"/>
           </a:p>
@@ -2995,7 +2995,7 @@
           <a:p>
             <a:fld id="{676F5F7F-F086-42B2-A0FC-F58A36E7BB66}" type="datetime1">
               <a:rPr kumimoji="1" lang="ja-JP" altLang="en-US" smtClean="0"/>
-              <a:t>2017/5/26</a:t>
+              <a:t>2017/5/30</a:t>
             </a:fld>
             <a:endParaRPr kumimoji="1" lang="ja-JP" altLang="en-US"/>
           </a:p>
@@ -3240,7 +3240,7 @@
           <a:p>
             <a:fld id="{5A8ECA6B-AE0E-43F3-B5EA-6C50E1601D72}" type="datetime1">
               <a:rPr kumimoji="1" lang="ja-JP" altLang="en-US" smtClean="0"/>
-              <a:t>2017/5/26</a:t>
+              <a:t>2017/5/30</a:t>
             </a:fld>
             <a:endParaRPr kumimoji="1" lang="ja-JP" altLang="en-US"/>
           </a:p>
@@ -3948,7 +3948,7 @@
           <p:nvPr>
             <p:extLst>
               <p:ext uri="{D42A27DB-BD31-4B8C-83A1-F6EECF244321}">
-                <p14:modId xmlns:p14="http://schemas.microsoft.com/office/powerpoint/2010/main" val="604933609"/>
+                <p14:modId xmlns:p14="http://schemas.microsoft.com/office/powerpoint/2010/main" val="3555855365"/>
               </p:ext>
             </p:extLst>
           </p:nvPr>
@@ -3961,7 +3961,7 @@
           <a:graphicData uri="http://schemas.openxmlformats.org/presentationml/2006/ole">
             <mc:AlternateContent xmlns:mc="http://schemas.openxmlformats.org/markup-compatibility/2006">
               <mc:Choice xmlns:v="urn:schemas-microsoft-com:vml" Requires="v">
-                <p:oleObj spid="_x0000_s1043" name="ワークシート" r:id="rId3" imgW="11487307" imgH="5286295" progId="Excel.Sheet.12">
+                <p:oleObj spid="_x0000_s1044" name="ワークシート" r:id="rId3" imgW="11487307" imgH="5286295" progId="Excel.Sheet.12">
                   <p:embed/>
                 </p:oleObj>
               </mc:Choice>

--- a/C班ユーザーストーリー訂正版.pptx
+++ b/C班ユーザーストーリー訂正版.pptx
@@ -200,7 +200,7 @@
           <a:p>
             <a:fld id="{CC53E9EC-0032-4D33-95E7-657C6A186E07}" type="datetimeFigureOut">
               <a:rPr kumimoji="1" lang="ja-JP" altLang="en-US" smtClean="0"/>
-              <a:t>2017/5/30</a:t>
+              <a:t>2017/6/7</a:t>
             </a:fld>
             <a:endParaRPr kumimoji="1" lang="ja-JP" altLang="en-US"/>
           </a:p>
@@ -631,7 +631,7 @@
           <a:p>
             <a:fld id="{FAEFA1D1-C786-4F53-8B71-B26A07B17030}" type="datetime1">
               <a:rPr kumimoji="1" lang="ja-JP" altLang="en-US" smtClean="0"/>
-              <a:t>2017/5/30</a:t>
+              <a:t>2017/6/7</a:t>
             </a:fld>
             <a:endParaRPr kumimoji="1" lang="ja-JP" altLang="en-US"/>
           </a:p>
@@ -833,7 +833,7 @@
           <a:p>
             <a:fld id="{E06DEE28-0A83-4FDA-8CE9-EF2DDDEAE52B}" type="datetime1">
               <a:rPr kumimoji="1" lang="ja-JP" altLang="en-US" smtClean="0"/>
-              <a:t>2017/5/30</a:t>
+              <a:t>2017/6/7</a:t>
             </a:fld>
             <a:endParaRPr kumimoji="1" lang="ja-JP" altLang="en-US"/>
           </a:p>
@@ -1045,7 +1045,7 @@
           <a:p>
             <a:fld id="{AF0FF139-B9BE-4D46-8186-19A45684199B}" type="datetime1">
               <a:rPr kumimoji="1" lang="ja-JP" altLang="en-US" smtClean="0"/>
-              <a:t>2017/5/30</a:t>
+              <a:t>2017/6/7</a:t>
             </a:fld>
             <a:endParaRPr kumimoji="1" lang="ja-JP" altLang="en-US"/>
           </a:p>
@@ -1247,7 +1247,7 @@
           <a:p>
             <a:fld id="{B58F2001-A142-4E43-99E2-DB588A0FB8A8}" type="datetime1">
               <a:rPr kumimoji="1" lang="ja-JP" altLang="en-US" smtClean="0"/>
-              <a:t>2017/5/30</a:t>
+              <a:t>2017/6/7</a:t>
             </a:fld>
             <a:endParaRPr kumimoji="1" lang="ja-JP" altLang="en-US"/>
           </a:p>
@@ -1493,7 +1493,7 @@
           <a:p>
             <a:fld id="{C87EDE4F-3B04-4DC7-AFAF-884E78C70907}" type="datetime1">
               <a:rPr kumimoji="1" lang="ja-JP" altLang="en-US" smtClean="0"/>
-              <a:t>2017/5/30</a:t>
+              <a:t>2017/6/7</a:t>
             </a:fld>
             <a:endParaRPr kumimoji="1" lang="ja-JP" altLang="en-US"/>
           </a:p>
@@ -1789,7 +1789,7 @@
           <a:p>
             <a:fld id="{A3A846DB-37AC-42B7-9738-58000034F1F8}" type="datetime1">
               <a:rPr kumimoji="1" lang="ja-JP" altLang="en-US" smtClean="0"/>
-              <a:t>2017/5/30</a:t>
+              <a:t>2017/6/7</a:t>
             </a:fld>
             <a:endParaRPr kumimoji="1" lang="ja-JP" altLang="en-US"/>
           </a:p>
@@ -2220,7 +2220,7 @@
           <a:p>
             <a:fld id="{9615C2F6-8290-4186-B844-83DAD36275B2}" type="datetime1">
               <a:rPr kumimoji="1" lang="ja-JP" altLang="en-US" smtClean="0"/>
-              <a:t>2017/5/30</a:t>
+              <a:t>2017/6/7</a:t>
             </a:fld>
             <a:endParaRPr kumimoji="1" lang="ja-JP" altLang="en-US"/>
           </a:p>
@@ -2338,7 +2338,7 @@
           <a:p>
             <a:fld id="{0B792B08-DB0D-4FB5-ADFA-6274D7086BE1}" type="datetime1">
               <a:rPr kumimoji="1" lang="ja-JP" altLang="en-US" smtClean="0"/>
-              <a:t>2017/5/30</a:t>
+              <a:t>2017/6/7</a:t>
             </a:fld>
             <a:endParaRPr kumimoji="1" lang="ja-JP" altLang="en-US"/>
           </a:p>
@@ -2433,7 +2433,7 @@
           <a:p>
             <a:fld id="{856D9B83-E137-4518-BF2E-5D0B52230C0E}" type="datetime1">
               <a:rPr kumimoji="1" lang="ja-JP" altLang="en-US" smtClean="0"/>
-              <a:t>2017/5/30</a:t>
+              <a:t>2017/6/7</a:t>
             </a:fld>
             <a:endParaRPr kumimoji="1" lang="ja-JP" altLang="en-US"/>
           </a:p>
@@ -2742,7 +2742,7 @@
           <a:p>
             <a:fld id="{F43C0B7E-8110-41C5-A555-9490F26AD0D4}" type="datetime1">
               <a:rPr kumimoji="1" lang="ja-JP" altLang="en-US" smtClean="0"/>
-              <a:t>2017/5/30</a:t>
+              <a:t>2017/6/7</a:t>
             </a:fld>
             <a:endParaRPr kumimoji="1" lang="ja-JP" altLang="en-US"/>
           </a:p>
@@ -2995,7 +2995,7 @@
           <a:p>
             <a:fld id="{676F5F7F-F086-42B2-A0FC-F58A36E7BB66}" type="datetime1">
               <a:rPr kumimoji="1" lang="ja-JP" altLang="en-US" smtClean="0"/>
-              <a:t>2017/5/30</a:t>
+              <a:t>2017/6/7</a:t>
             </a:fld>
             <a:endParaRPr kumimoji="1" lang="ja-JP" altLang="en-US"/>
           </a:p>
@@ -3240,7 +3240,7 @@
           <a:p>
             <a:fld id="{5A8ECA6B-AE0E-43F3-B5EA-6C50E1601D72}" type="datetime1">
               <a:rPr kumimoji="1" lang="ja-JP" altLang="en-US" smtClean="0"/>
-              <a:t>2017/5/30</a:t>
+              <a:t>2017/6/7</a:t>
             </a:fld>
             <a:endParaRPr kumimoji="1" lang="ja-JP" altLang="en-US"/>
           </a:p>
@@ -3948,20 +3948,20 @@
           <p:nvPr>
             <p:extLst>
               <p:ext uri="{D42A27DB-BD31-4B8C-83A1-F6EECF244321}">
-                <p14:modId xmlns:p14="http://schemas.microsoft.com/office/powerpoint/2010/main" val="3555855365"/>
+                <p14:modId xmlns:p14="http://schemas.microsoft.com/office/powerpoint/2010/main" val="3827433795"/>
               </p:ext>
             </p:extLst>
           </p:nvPr>
         </p:nvGraphicFramePr>
         <p:xfrm>
-          <a:off x="1106112" y="698442"/>
+          <a:off x="1114425" y="698442"/>
           <a:ext cx="9615854" cy="5635856"/>
         </p:xfrm>
         <a:graphic>
           <a:graphicData uri="http://schemas.openxmlformats.org/presentationml/2006/ole">
             <mc:AlternateContent xmlns:mc="http://schemas.openxmlformats.org/markup-compatibility/2006">
               <mc:Choice xmlns:v="urn:schemas-microsoft-com:vml" Requires="v">
-                <p:oleObj spid="_x0000_s1044" name="ワークシート" r:id="rId3" imgW="11487307" imgH="5286295" progId="Excel.Sheet.12">
+                <p:oleObj spid="_x0000_s1045" name="ワークシート" r:id="rId3" imgW="11487307" imgH="5286295" progId="Excel.Sheet.12">
                   <p:embed/>
                 </p:oleObj>
               </mc:Choice>
@@ -3982,7 +3982,7 @@
                     </p:blipFill>
                     <p:spPr>
                       <a:xfrm>
-                        <a:off x="1106112" y="698442"/>
+                        <a:off x="1114425" y="698442"/>
                         <a:ext cx="9615854" cy="5635856"/>
                       </a:xfrm>
                       <a:prstGeom prst="rect">

--- a/C班ユーザーストーリー訂正版.pptx
+++ b/C班ユーザーストーリー訂正版.pptx
@@ -200,7 +200,7 @@
           <a:p>
             <a:fld id="{CC53E9EC-0032-4D33-95E7-657C6A186E07}" type="datetimeFigureOut">
               <a:rPr kumimoji="1" lang="ja-JP" altLang="en-US" smtClean="0"/>
-              <a:t>2017/6/7</a:t>
+              <a:t>2017/6/16</a:t>
             </a:fld>
             <a:endParaRPr kumimoji="1" lang="ja-JP" altLang="en-US"/>
           </a:p>
@@ -631,7 +631,7 @@
           <a:p>
             <a:fld id="{FAEFA1D1-C786-4F53-8B71-B26A07B17030}" type="datetime1">
               <a:rPr kumimoji="1" lang="ja-JP" altLang="en-US" smtClean="0"/>
-              <a:t>2017/6/7</a:t>
+              <a:t>2017/6/16</a:t>
             </a:fld>
             <a:endParaRPr kumimoji="1" lang="ja-JP" altLang="en-US"/>
           </a:p>
@@ -833,7 +833,7 @@
           <a:p>
             <a:fld id="{E06DEE28-0A83-4FDA-8CE9-EF2DDDEAE52B}" type="datetime1">
               <a:rPr kumimoji="1" lang="ja-JP" altLang="en-US" smtClean="0"/>
-              <a:t>2017/6/7</a:t>
+              <a:t>2017/6/16</a:t>
             </a:fld>
             <a:endParaRPr kumimoji="1" lang="ja-JP" altLang="en-US"/>
           </a:p>
@@ -1045,7 +1045,7 @@
           <a:p>
             <a:fld id="{AF0FF139-B9BE-4D46-8186-19A45684199B}" type="datetime1">
               <a:rPr kumimoji="1" lang="ja-JP" altLang="en-US" smtClean="0"/>
-              <a:t>2017/6/7</a:t>
+              <a:t>2017/6/16</a:t>
             </a:fld>
             <a:endParaRPr kumimoji="1" lang="ja-JP" altLang="en-US"/>
           </a:p>
@@ -1247,7 +1247,7 @@
           <a:p>
             <a:fld id="{B58F2001-A142-4E43-99E2-DB588A0FB8A8}" type="datetime1">
               <a:rPr kumimoji="1" lang="ja-JP" altLang="en-US" smtClean="0"/>
-              <a:t>2017/6/7</a:t>
+              <a:t>2017/6/16</a:t>
             </a:fld>
             <a:endParaRPr kumimoji="1" lang="ja-JP" altLang="en-US"/>
           </a:p>
@@ -1493,7 +1493,7 @@
           <a:p>
             <a:fld id="{C87EDE4F-3B04-4DC7-AFAF-884E78C70907}" type="datetime1">
               <a:rPr kumimoji="1" lang="ja-JP" altLang="en-US" smtClean="0"/>
-              <a:t>2017/6/7</a:t>
+              <a:t>2017/6/16</a:t>
             </a:fld>
             <a:endParaRPr kumimoji="1" lang="ja-JP" altLang="en-US"/>
           </a:p>
@@ -1789,7 +1789,7 @@
           <a:p>
             <a:fld id="{A3A846DB-37AC-42B7-9738-58000034F1F8}" type="datetime1">
               <a:rPr kumimoji="1" lang="ja-JP" altLang="en-US" smtClean="0"/>
-              <a:t>2017/6/7</a:t>
+              <a:t>2017/6/16</a:t>
             </a:fld>
             <a:endParaRPr kumimoji="1" lang="ja-JP" altLang="en-US"/>
           </a:p>
@@ -2220,7 +2220,7 @@
           <a:p>
             <a:fld id="{9615C2F6-8290-4186-B844-83DAD36275B2}" type="datetime1">
               <a:rPr kumimoji="1" lang="ja-JP" altLang="en-US" smtClean="0"/>
-              <a:t>2017/6/7</a:t>
+              <a:t>2017/6/16</a:t>
             </a:fld>
             <a:endParaRPr kumimoji="1" lang="ja-JP" altLang="en-US"/>
           </a:p>
@@ -2338,7 +2338,7 @@
           <a:p>
             <a:fld id="{0B792B08-DB0D-4FB5-ADFA-6274D7086BE1}" type="datetime1">
               <a:rPr kumimoji="1" lang="ja-JP" altLang="en-US" smtClean="0"/>
-              <a:t>2017/6/7</a:t>
+              <a:t>2017/6/16</a:t>
             </a:fld>
             <a:endParaRPr kumimoji="1" lang="ja-JP" altLang="en-US"/>
           </a:p>
@@ -2433,7 +2433,7 @@
           <a:p>
             <a:fld id="{856D9B83-E137-4518-BF2E-5D0B52230C0E}" type="datetime1">
               <a:rPr kumimoji="1" lang="ja-JP" altLang="en-US" smtClean="0"/>
-              <a:t>2017/6/7</a:t>
+              <a:t>2017/6/16</a:t>
             </a:fld>
             <a:endParaRPr kumimoji="1" lang="ja-JP" altLang="en-US"/>
           </a:p>
@@ -2742,7 +2742,7 @@
           <a:p>
             <a:fld id="{F43C0B7E-8110-41C5-A555-9490F26AD0D4}" type="datetime1">
               <a:rPr kumimoji="1" lang="ja-JP" altLang="en-US" smtClean="0"/>
-              <a:t>2017/6/7</a:t>
+              <a:t>2017/6/16</a:t>
             </a:fld>
             <a:endParaRPr kumimoji="1" lang="ja-JP" altLang="en-US"/>
           </a:p>
@@ -2995,7 +2995,7 @@
           <a:p>
             <a:fld id="{676F5F7F-F086-42B2-A0FC-F58A36E7BB66}" type="datetime1">
               <a:rPr kumimoji="1" lang="ja-JP" altLang="en-US" smtClean="0"/>
-              <a:t>2017/6/7</a:t>
+              <a:t>2017/6/16</a:t>
             </a:fld>
             <a:endParaRPr kumimoji="1" lang="ja-JP" altLang="en-US"/>
           </a:p>
@@ -3240,7 +3240,7 @@
           <a:p>
             <a:fld id="{5A8ECA6B-AE0E-43F3-B5EA-6C50E1601D72}" type="datetime1">
               <a:rPr kumimoji="1" lang="ja-JP" altLang="en-US" smtClean="0"/>
-              <a:t>2017/6/7</a:t>
+              <a:t>2017/6/16</a:t>
             </a:fld>
             <a:endParaRPr kumimoji="1" lang="ja-JP" altLang="en-US"/>
           </a:p>
@@ -3948,25 +3948,25 @@
           <p:nvPr>
             <p:extLst>
               <p:ext uri="{D42A27DB-BD31-4B8C-83A1-F6EECF244321}">
-                <p14:modId xmlns:p14="http://schemas.microsoft.com/office/powerpoint/2010/main" val="3827433795"/>
+                <p14:modId xmlns:p14="http://schemas.microsoft.com/office/powerpoint/2010/main" val="1050479631"/>
               </p:ext>
             </p:extLst>
           </p:nvPr>
         </p:nvGraphicFramePr>
         <p:xfrm>
-          <a:off x="1114425" y="698442"/>
-          <a:ext cx="9615854" cy="5635856"/>
+          <a:off x="1114425" y="698500"/>
+          <a:ext cx="9615488" cy="5594350"/>
         </p:xfrm>
         <a:graphic>
           <a:graphicData uri="http://schemas.openxmlformats.org/presentationml/2006/ole">
             <mc:AlternateContent xmlns:mc="http://schemas.openxmlformats.org/markup-compatibility/2006">
               <mc:Choice xmlns:v="urn:schemas-microsoft-com:vml" Requires="v">
-                <p:oleObj spid="_x0000_s1045" name="ワークシート" r:id="rId3" imgW="11487307" imgH="5286295" progId="Excel.Sheet.12">
+                <p:oleObj spid="_x0000_s1046" name="ワークシート" r:id="rId3" imgW="11487307" imgH="5248168" progId="Excel.Sheet.12">
                   <p:embed/>
                 </p:oleObj>
               </mc:Choice>
               <mc:Fallback>
-                <p:oleObj name="ワークシート" r:id="rId3" imgW="11487307" imgH="5286295" progId="Excel.Sheet.12">
+                <p:oleObj name="ワークシート" r:id="rId3" imgW="11487307" imgH="5248168" progId="Excel.Sheet.12">
                   <p:embed/>
                   <p:pic>
                     <p:nvPicPr>
@@ -3982,8 +3982,8 @@
                     </p:blipFill>
                     <p:spPr>
                       <a:xfrm>
-                        <a:off x="1114425" y="698442"/>
-                        <a:ext cx="9615854" cy="5635856"/>
+                        <a:off x="1114425" y="698500"/>
+                        <a:ext cx="9615488" cy="5594350"/>
                       </a:xfrm>
                       <a:prstGeom prst="rect">
                         <a:avLst/>

--- a/C班ユーザーストーリー訂正版.pptx
+++ b/C班ユーザーストーリー訂正版.pptx
@@ -3948,25 +3948,25 @@
           <p:nvPr>
             <p:extLst>
               <p:ext uri="{D42A27DB-BD31-4B8C-83A1-F6EECF244321}">
-                <p14:modId xmlns:p14="http://schemas.microsoft.com/office/powerpoint/2010/main" val="1050479631"/>
+                <p14:modId xmlns:p14="http://schemas.microsoft.com/office/powerpoint/2010/main" val="272494453"/>
               </p:ext>
             </p:extLst>
           </p:nvPr>
         </p:nvGraphicFramePr>
         <p:xfrm>
           <a:off x="1114425" y="698500"/>
-          <a:ext cx="9615488" cy="5594350"/>
+          <a:ext cx="9615488" cy="6161088"/>
         </p:xfrm>
         <a:graphic>
           <a:graphicData uri="http://schemas.openxmlformats.org/presentationml/2006/ole">
             <mc:AlternateContent xmlns:mc="http://schemas.openxmlformats.org/markup-compatibility/2006">
               <mc:Choice xmlns:v="urn:schemas-microsoft-com:vml" Requires="v">
-                <p:oleObj spid="_x0000_s1046" name="ワークシート" r:id="rId3" imgW="11487307" imgH="5248168" progId="Excel.Sheet.12">
+                <p:oleObj spid="_x0000_s1047" name="ワークシート" r:id="rId3" imgW="11487307" imgH="5781582" progId="Excel.Sheet.12">
                   <p:embed/>
                 </p:oleObj>
               </mc:Choice>
               <mc:Fallback>
-                <p:oleObj name="ワークシート" r:id="rId3" imgW="11487307" imgH="5248168" progId="Excel.Sheet.12">
+                <p:oleObj name="ワークシート" r:id="rId3" imgW="11487307" imgH="5781582" progId="Excel.Sheet.12">
                   <p:embed/>
                   <p:pic>
                     <p:nvPicPr>
@@ -3983,7 +3983,7 @@
                     <p:spPr>
                       <a:xfrm>
                         <a:off x="1114425" y="698500"/>
-                        <a:ext cx="9615488" cy="5594350"/>
+                        <a:ext cx="9615488" cy="6161088"/>
                       </a:xfrm>
                       <a:prstGeom prst="rect">
                         <a:avLst/>

--- a/C班ユーザーストーリー訂正版.pptx
+++ b/C班ユーザーストーリー訂正版.pptx
@@ -3948,25 +3948,25 @@
           <p:nvPr>
             <p:extLst>
               <p:ext uri="{D42A27DB-BD31-4B8C-83A1-F6EECF244321}">
-                <p14:modId xmlns:p14="http://schemas.microsoft.com/office/powerpoint/2010/main" val="272494453"/>
+                <p14:modId xmlns:p14="http://schemas.microsoft.com/office/powerpoint/2010/main" val="1341943593"/>
               </p:ext>
             </p:extLst>
           </p:nvPr>
         </p:nvGraphicFramePr>
         <p:xfrm>
           <a:off x="1114425" y="698500"/>
-          <a:ext cx="9615488" cy="6161088"/>
+          <a:ext cx="9615488" cy="5775325"/>
         </p:xfrm>
         <a:graphic>
           <a:graphicData uri="http://schemas.openxmlformats.org/presentationml/2006/ole">
             <mc:AlternateContent xmlns:mc="http://schemas.openxmlformats.org/markup-compatibility/2006">
               <mc:Choice xmlns:v="urn:schemas-microsoft-com:vml" Requires="v">
-                <p:oleObj spid="_x0000_s1047" name="ワークシート" r:id="rId3" imgW="11487307" imgH="5781582" progId="Excel.Sheet.12">
+                <p:oleObj spid="_x0000_s1049" name="ワークシート" r:id="rId3" imgW="11487307" imgH="5419738" progId="Excel.Sheet.12">
                   <p:embed/>
                 </p:oleObj>
               </mc:Choice>
               <mc:Fallback>
-                <p:oleObj name="ワークシート" r:id="rId3" imgW="11487307" imgH="5781582" progId="Excel.Sheet.12">
+                <p:oleObj name="ワークシート" r:id="rId3" imgW="11487307" imgH="5419738" progId="Excel.Sheet.12">
                   <p:embed/>
                   <p:pic>
                     <p:nvPicPr>
@@ -3983,7 +3983,7 @@
                     <p:spPr>
                       <a:xfrm>
                         <a:off x="1114425" y="698500"/>
-                        <a:ext cx="9615488" cy="6161088"/>
+                        <a:ext cx="9615488" cy="5775325"/>
                       </a:xfrm>
                       <a:prstGeom prst="rect">
                         <a:avLst/>

--- a/C班ユーザーストーリー訂正版.pptx
+++ b/C班ユーザーストーリー訂正版.pptx
@@ -200,7 +200,7 @@
           <a:p>
             <a:fld id="{CC53E9EC-0032-4D33-95E7-657C6A186E07}" type="datetimeFigureOut">
               <a:rPr kumimoji="1" lang="ja-JP" altLang="en-US" smtClean="0"/>
-              <a:t>2017/6/16</a:t>
+              <a:t>2017/7/7</a:t>
             </a:fld>
             <a:endParaRPr kumimoji="1" lang="ja-JP" altLang="en-US"/>
           </a:p>
@@ -631,7 +631,7 @@
           <a:p>
             <a:fld id="{FAEFA1D1-C786-4F53-8B71-B26A07B17030}" type="datetime1">
               <a:rPr kumimoji="1" lang="ja-JP" altLang="en-US" smtClean="0"/>
-              <a:t>2017/6/16</a:t>
+              <a:t>2017/7/7</a:t>
             </a:fld>
             <a:endParaRPr kumimoji="1" lang="ja-JP" altLang="en-US"/>
           </a:p>
@@ -833,7 +833,7 @@
           <a:p>
             <a:fld id="{E06DEE28-0A83-4FDA-8CE9-EF2DDDEAE52B}" type="datetime1">
               <a:rPr kumimoji="1" lang="ja-JP" altLang="en-US" smtClean="0"/>
-              <a:t>2017/6/16</a:t>
+              <a:t>2017/7/7</a:t>
             </a:fld>
             <a:endParaRPr kumimoji="1" lang="ja-JP" altLang="en-US"/>
           </a:p>
@@ -1045,7 +1045,7 @@
           <a:p>
             <a:fld id="{AF0FF139-B9BE-4D46-8186-19A45684199B}" type="datetime1">
               <a:rPr kumimoji="1" lang="ja-JP" altLang="en-US" smtClean="0"/>
-              <a:t>2017/6/16</a:t>
+              <a:t>2017/7/7</a:t>
             </a:fld>
             <a:endParaRPr kumimoji="1" lang="ja-JP" altLang="en-US"/>
           </a:p>
@@ -1247,7 +1247,7 @@
           <a:p>
             <a:fld id="{B58F2001-A142-4E43-99E2-DB588A0FB8A8}" type="datetime1">
               <a:rPr kumimoji="1" lang="ja-JP" altLang="en-US" smtClean="0"/>
-              <a:t>2017/6/16</a:t>
+              <a:t>2017/7/7</a:t>
             </a:fld>
             <a:endParaRPr kumimoji="1" lang="ja-JP" altLang="en-US"/>
           </a:p>
@@ -1493,7 +1493,7 @@
           <a:p>
             <a:fld id="{C87EDE4F-3B04-4DC7-AFAF-884E78C70907}" type="datetime1">
               <a:rPr kumimoji="1" lang="ja-JP" altLang="en-US" smtClean="0"/>
-              <a:t>2017/6/16</a:t>
+              <a:t>2017/7/7</a:t>
             </a:fld>
             <a:endParaRPr kumimoji="1" lang="ja-JP" altLang="en-US"/>
           </a:p>
@@ -1789,7 +1789,7 @@
           <a:p>
             <a:fld id="{A3A846DB-37AC-42B7-9738-58000034F1F8}" type="datetime1">
               <a:rPr kumimoji="1" lang="ja-JP" altLang="en-US" smtClean="0"/>
-              <a:t>2017/6/16</a:t>
+              <a:t>2017/7/7</a:t>
             </a:fld>
             <a:endParaRPr kumimoji="1" lang="ja-JP" altLang="en-US"/>
           </a:p>
@@ -2220,7 +2220,7 @@
           <a:p>
             <a:fld id="{9615C2F6-8290-4186-B844-83DAD36275B2}" type="datetime1">
               <a:rPr kumimoji="1" lang="ja-JP" altLang="en-US" smtClean="0"/>
-              <a:t>2017/6/16</a:t>
+              <a:t>2017/7/7</a:t>
             </a:fld>
             <a:endParaRPr kumimoji="1" lang="ja-JP" altLang="en-US"/>
           </a:p>
@@ -2338,7 +2338,7 @@
           <a:p>
             <a:fld id="{0B792B08-DB0D-4FB5-ADFA-6274D7086BE1}" type="datetime1">
               <a:rPr kumimoji="1" lang="ja-JP" altLang="en-US" smtClean="0"/>
-              <a:t>2017/6/16</a:t>
+              <a:t>2017/7/7</a:t>
             </a:fld>
             <a:endParaRPr kumimoji="1" lang="ja-JP" altLang="en-US"/>
           </a:p>
@@ -2433,7 +2433,7 @@
           <a:p>
             <a:fld id="{856D9B83-E137-4518-BF2E-5D0B52230C0E}" type="datetime1">
               <a:rPr kumimoji="1" lang="ja-JP" altLang="en-US" smtClean="0"/>
-              <a:t>2017/6/16</a:t>
+              <a:t>2017/7/7</a:t>
             </a:fld>
             <a:endParaRPr kumimoji="1" lang="ja-JP" altLang="en-US"/>
           </a:p>
@@ -2742,7 +2742,7 @@
           <a:p>
             <a:fld id="{F43C0B7E-8110-41C5-A555-9490F26AD0D4}" type="datetime1">
               <a:rPr kumimoji="1" lang="ja-JP" altLang="en-US" smtClean="0"/>
-              <a:t>2017/6/16</a:t>
+              <a:t>2017/7/7</a:t>
             </a:fld>
             <a:endParaRPr kumimoji="1" lang="ja-JP" altLang="en-US"/>
           </a:p>
@@ -2995,7 +2995,7 @@
           <a:p>
             <a:fld id="{676F5F7F-F086-42B2-A0FC-F58A36E7BB66}" type="datetime1">
               <a:rPr kumimoji="1" lang="ja-JP" altLang="en-US" smtClean="0"/>
-              <a:t>2017/6/16</a:t>
+              <a:t>2017/7/7</a:t>
             </a:fld>
             <a:endParaRPr kumimoji="1" lang="ja-JP" altLang="en-US"/>
           </a:p>
@@ -3240,7 +3240,7 @@
           <a:p>
             <a:fld id="{5A8ECA6B-AE0E-43F3-B5EA-6C50E1601D72}" type="datetime1">
               <a:rPr kumimoji="1" lang="ja-JP" altLang="en-US" smtClean="0"/>
-              <a:t>2017/6/16</a:t>
+              <a:t>2017/7/7</a:t>
             </a:fld>
             <a:endParaRPr kumimoji="1" lang="ja-JP" altLang="en-US"/>
           </a:p>
@@ -3948,25 +3948,25 @@
           <p:nvPr>
             <p:extLst>
               <p:ext uri="{D42A27DB-BD31-4B8C-83A1-F6EECF244321}">
-                <p14:modId xmlns:p14="http://schemas.microsoft.com/office/powerpoint/2010/main" val="1341943593"/>
+                <p14:modId xmlns:p14="http://schemas.microsoft.com/office/powerpoint/2010/main" val="2143128526"/>
               </p:ext>
             </p:extLst>
           </p:nvPr>
         </p:nvGraphicFramePr>
         <p:xfrm>
-          <a:off x="1114425" y="698500"/>
-          <a:ext cx="9615488" cy="5775325"/>
+          <a:off x="1162050" y="996950"/>
+          <a:ext cx="8486447" cy="5821863"/>
         </p:xfrm>
         <a:graphic>
           <a:graphicData uri="http://schemas.openxmlformats.org/presentationml/2006/ole">
             <mc:AlternateContent xmlns:mc="http://schemas.openxmlformats.org/markup-compatibility/2006">
               <mc:Choice xmlns:v="urn:schemas-microsoft-com:vml" Requires="v">
-                <p:oleObj spid="_x0000_s1049" name="ワークシート" r:id="rId3" imgW="11487307" imgH="5419738" progId="Excel.Sheet.12">
+                <p:oleObj spid="_x0000_s1055" name="ワークシート" r:id="rId3" imgW="11487307" imgH="6219678" progId="Excel.Sheet.12">
                   <p:embed/>
                 </p:oleObj>
               </mc:Choice>
               <mc:Fallback>
-                <p:oleObj name="ワークシート" r:id="rId3" imgW="11487307" imgH="5419738" progId="Excel.Sheet.12">
+                <p:oleObj name="ワークシート" r:id="rId3" imgW="11487307" imgH="6219678" progId="Excel.Sheet.12">
                   <p:embed/>
                   <p:pic>
                     <p:nvPicPr>
@@ -3982,8 +3982,8 @@
                     </p:blipFill>
                     <p:spPr>
                       <a:xfrm>
-                        <a:off x="1114425" y="698500"/>
-                        <a:ext cx="9615488" cy="5775325"/>
+                        <a:off x="1162050" y="996950"/>
+                        <a:ext cx="8486447" cy="5821863"/>
                       </a:xfrm>
                       <a:prstGeom prst="rect">
                         <a:avLst/>

--- a/C班ユーザーストーリー訂正版.pptx
+++ b/C班ユーザーストーリー訂正版.pptx
@@ -3961,7 +3961,7 @@
           <a:graphicData uri="http://schemas.openxmlformats.org/presentationml/2006/ole">
             <mc:AlternateContent xmlns:mc="http://schemas.openxmlformats.org/markup-compatibility/2006">
               <mc:Choice xmlns:v="urn:schemas-microsoft-com:vml" Requires="v">
-                <p:oleObj spid="_x0000_s1055" name="ワークシート" r:id="rId3" imgW="11487307" imgH="6219678" progId="Excel.Sheet.12">
+                <p:oleObj spid="_x0000_s1056" name="ワークシート" r:id="rId3" imgW="11487307" imgH="6219678" progId="Excel.Sheet.12">
                   <p:embed/>
                 </p:oleObj>
               </mc:Choice>

--- a/C班ユーザーストーリー訂正版.pptx
+++ b/C班ユーザーストーリー訂正版.pptx
@@ -3948,25 +3948,25 @@
           <p:nvPr>
             <p:extLst>
               <p:ext uri="{D42A27DB-BD31-4B8C-83A1-F6EECF244321}">
-                <p14:modId xmlns:p14="http://schemas.microsoft.com/office/powerpoint/2010/main" val="2143128526"/>
+                <p14:modId xmlns:p14="http://schemas.microsoft.com/office/powerpoint/2010/main" val="2709419952"/>
               </p:ext>
             </p:extLst>
           </p:nvPr>
         </p:nvGraphicFramePr>
         <p:xfrm>
           <a:off x="1162050" y="996950"/>
-          <a:ext cx="8486447" cy="5821863"/>
+          <a:ext cx="8497888" cy="5607050"/>
         </p:xfrm>
         <a:graphic>
           <a:graphicData uri="http://schemas.openxmlformats.org/presentationml/2006/ole">
             <mc:AlternateContent xmlns:mc="http://schemas.openxmlformats.org/markup-compatibility/2006">
               <mc:Choice xmlns:v="urn:schemas-microsoft-com:vml" Requires="v">
-                <p:oleObj spid="_x0000_s1056" name="ワークシート" r:id="rId3" imgW="11487307" imgH="6219678" progId="Excel.Sheet.12">
+                <p:oleObj spid="_x0000_s1057" name="ワークシート" r:id="rId3" imgW="11487307" imgH="5981567" progId="Excel.Sheet.12">
                   <p:embed/>
                 </p:oleObj>
               </mc:Choice>
               <mc:Fallback>
-                <p:oleObj name="ワークシート" r:id="rId3" imgW="11487307" imgH="6219678" progId="Excel.Sheet.12">
+                <p:oleObj name="ワークシート" r:id="rId3" imgW="11487307" imgH="5981567" progId="Excel.Sheet.12">
                   <p:embed/>
                   <p:pic>
                     <p:nvPicPr>
@@ -3983,7 +3983,7 @@
                     <p:spPr>
                       <a:xfrm>
                         <a:off x="1162050" y="996950"/>
-                        <a:ext cx="8486447" cy="5821863"/>
+                        <a:ext cx="8497888" cy="5607050"/>
                       </a:xfrm>
                       <a:prstGeom prst="rect">
                         <a:avLst/>

--- a/C班ユーザーストーリー訂正版.pptx
+++ b/C班ユーザーストーリー訂正版.pptx
@@ -3948,25 +3948,25 @@
           <p:nvPr>
             <p:extLst>
               <p:ext uri="{D42A27DB-BD31-4B8C-83A1-F6EECF244321}">
-                <p14:modId xmlns:p14="http://schemas.microsoft.com/office/powerpoint/2010/main" val="2709419952"/>
+                <p14:modId xmlns:p14="http://schemas.microsoft.com/office/powerpoint/2010/main" val="2255576744"/>
               </p:ext>
             </p:extLst>
           </p:nvPr>
         </p:nvGraphicFramePr>
         <p:xfrm>
-          <a:off x="1162050" y="996950"/>
-          <a:ext cx="8497888" cy="5607050"/>
+          <a:off x="1381095" y="990907"/>
+          <a:ext cx="8497888" cy="5141913"/>
         </p:xfrm>
         <a:graphic>
           <a:graphicData uri="http://schemas.openxmlformats.org/presentationml/2006/ole">
             <mc:AlternateContent xmlns:mc="http://schemas.openxmlformats.org/markup-compatibility/2006">
               <mc:Choice xmlns:v="urn:schemas-microsoft-com:vml" Requires="v">
-                <p:oleObj spid="_x0000_s1057" name="ワークシート" r:id="rId3" imgW="11487307" imgH="5981567" progId="Excel.Sheet.12">
+                <p:oleObj spid="_x0000_s1061" name="ワークシート" r:id="rId3" imgW="11487307" imgH="5486280" progId="Excel.Sheet.12">
                   <p:embed/>
                 </p:oleObj>
               </mc:Choice>
               <mc:Fallback>
-                <p:oleObj name="ワークシート" r:id="rId3" imgW="11487307" imgH="5981567" progId="Excel.Sheet.12">
+                <p:oleObj name="ワークシート" r:id="rId3" imgW="11487307" imgH="5486280" progId="Excel.Sheet.12">
                   <p:embed/>
                   <p:pic>
                     <p:nvPicPr>
@@ -3982,8 +3982,8 @@
                     </p:blipFill>
                     <p:spPr>
                       <a:xfrm>
-                        <a:off x="1162050" y="996950"/>
-                        <a:ext cx="8497888" cy="5607050"/>
+                        <a:off x="1381095" y="990907"/>
+                        <a:ext cx="8497888" cy="5141913"/>
                       </a:xfrm>
                       <a:prstGeom prst="rect">
                         <a:avLst/>
